--- a/jyn_prompt1_cve.pptx
+++ b/jyn_prompt1_cve.pptx
@@ -126,12 +126,12 @@
   <pc:docChgLst>
     <pc:chgData name="Andrew Payne" userId="812687a615ee08e3" providerId="LiveId" clId="{7D684538-75D0-44C7-BD7E-4EB38FEE641B}"/>
     <pc:docChg chg="undo redo custSel addSld delSld modSld sldOrd">
-      <pc:chgData name="Andrew Payne" userId="812687a615ee08e3" providerId="LiveId" clId="{7D684538-75D0-44C7-BD7E-4EB38FEE641B}" dt="2019-04-19T14:02:35.762" v="7013" actId="20577"/>
+      <pc:chgData name="Andrew Payne" userId="812687a615ee08e3" providerId="LiveId" clId="{7D684538-75D0-44C7-BD7E-4EB38FEE641B}" dt="2019-04-19T15:46:53.908" v="7828" actId="20577"/>
       <pc:docMkLst>
         <pc:docMk/>
       </pc:docMkLst>
       <pc:sldChg chg="modSp ord">
-        <pc:chgData name="Andrew Payne" userId="812687a615ee08e3" providerId="LiveId" clId="{7D684538-75D0-44C7-BD7E-4EB38FEE641B}" dt="2019-04-19T13:05:53.486" v="6739" actId="20577"/>
+        <pc:chgData name="Andrew Payne" userId="812687a615ee08e3" providerId="LiveId" clId="{7D684538-75D0-44C7-BD7E-4EB38FEE641B}" dt="2019-04-19T15:45:52.131" v="7782" actId="20577"/>
         <pc:sldMkLst>
           <pc:docMk/>
           <pc:sldMk cId="3006648638" sldId="257"/>
@@ -145,7 +145,7 @@
           </ac:spMkLst>
         </pc:spChg>
         <pc:spChg chg="mod">
-          <ac:chgData name="Andrew Payne" userId="812687a615ee08e3" providerId="LiveId" clId="{7D684538-75D0-44C7-BD7E-4EB38FEE641B}" dt="2019-04-19T13:05:53.486" v="6739" actId="20577"/>
+          <ac:chgData name="Andrew Payne" userId="812687a615ee08e3" providerId="LiveId" clId="{7D684538-75D0-44C7-BD7E-4EB38FEE641B}" dt="2019-04-19T15:45:52.131" v="7782" actId="20577"/>
           <ac:spMkLst>
             <pc:docMk/>
             <pc:sldMk cId="3006648638" sldId="257"/>
@@ -154,7 +154,7 @@
         </pc:spChg>
       </pc:sldChg>
       <pc:sldChg chg="modSp add ord">
-        <pc:chgData name="Andrew Payne" userId="812687a615ee08e3" providerId="LiveId" clId="{7D684538-75D0-44C7-BD7E-4EB38FEE641B}" dt="2019-04-19T13:00:15.366" v="6341" actId="6549"/>
+        <pc:chgData name="Andrew Payne" userId="812687a615ee08e3" providerId="LiveId" clId="{7D684538-75D0-44C7-BD7E-4EB38FEE641B}" dt="2019-04-19T15:46:53.908" v="7828" actId="20577"/>
         <pc:sldMkLst>
           <pc:docMk/>
           <pc:sldMk cId="2334886169" sldId="258"/>
@@ -168,7 +168,7 @@
           </ac:spMkLst>
         </pc:spChg>
         <pc:spChg chg="mod">
-          <ac:chgData name="Andrew Payne" userId="812687a615ee08e3" providerId="LiveId" clId="{7D684538-75D0-44C7-BD7E-4EB38FEE641B}" dt="2019-04-19T13:00:15.366" v="6341" actId="6549"/>
+          <ac:chgData name="Andrew Payne" userId="812687a615ee08e3" providerId="LiveId" clId="{7D684538-75D0-44C7-BD7E-4EB38FEE641B}" dt="2019-04-19T15:46:53.908" v="7828" actId="20577"/>
           <ac:spMkLst>
             <pc:docMk/>
             <pc:sldMk cId="2334886169" sldId="258"/>
@@ -200,7 +200,7 @@
         </pc:spChg>
       </pc:sldChg>
       <pc:sldChg chg="addSp delSp modSp add">
-        <pc:chgData name="Andrew Payne" userId="812687a615ee08e3" providerId="LiveId" clId="{7D684538-75D0-44C7-BD7E-4EB38FEE641B}" dt="2019-04-19T14:01:47.407" v="6956" actId="1076"/>
+        <pc:chgData name="Andrew Payne" userId="812687a615ee08e3" providerId="LiveId" clId="{7D684538-75D0-44C7-BD7E-4EB38FEE641B}" dt="2019-04-19T15:42:33.055" v="7273" actId="13822"/>
         <pc:sldMkLst>
           <pc:docMk/>
           <pc:sldMk cId="2573355366" sldId="260"/>
@@ -246,7 +246,7 @@
           </ac:spMkLst>
         </pc:spChg>
         <pc:spChg chg="add mod">
-          <ac:chgData name="Andrew Payne" userId="812687a615ee08e3" providerId="LiveId" clId="{7D684538-75D0-44C7-BD7E-4EB38FEE641B}" dt="2019-04-19T14:01:47.407" v="6956" actId="1076"/>
+          <ac:chgData name="Andrew Payne" userId="812687a615ee08e3" providerId="LiveId" clId="{7D684538-75D0-44C7-BD7E-4EB38FEE641B}" dt="2019-04-19T15:42:19.237" v="7259" actId="1035"/>
           <ac:spMkLst>
             <pc:docMk/>
             <pc:sldMk cId="2573355366" sldId="260"/>
@@ -278,7 +278,7 @@
           </ac:spMkLst>
         </pc:spChg>
         <pc:spChg chg="add mod">
-          <ac:chgData name="Andrew Payne" userId="812687a615ee08e3" providerId="LiveId" clId="{7D684538-75D0-44C7-BD7E-4EB38FEE641B}" dt="2019-04-19T13:02:00.301" v="6464" actId="1035"/>
+          <ac:chgData name="Andrew Payne" userId="812687a615ee08e3" providerId="LiveId" clId="{7D684538-75D0-44C7-BD7E-4EB38FEE641B}" dt="2019-04-19T15:42:19.237" v="7259" actId="1035"/>
           <ac:spMkLst>
             <pc:docMk/>
             <pc:sldMk cId="2573355366" sldId="260"/>
@@ -286,7 +286,7 @@
           </ac:spMkLst>
         </pc:spChg>
         <pc:spChg chg="add mod ord">
-          <ac:chgData name="Andrew Payne" userId="812687a615ee08e3" providerId="LiveId" clId="{7D684538-75D0-44C7-BD7E-4EB38FEE641B}" dt="2019-04-19T13:02:24.149" v="6502" actId="1035"/>
+          <ac:chgData name="Andrew Payne" userId="812687a615ee08e3" providerId="LiveId" clId="{7D684538-75D0-44C7-BD7E-4EB38FEE641B}" dt="2019-04-19T15:42:19.237" v="7259" actId="1035"/>
           <ac:spMkLst>
             <pc:docMk/>
             <pc:sldMk cId="2573355366" sldId="260"/>
@@ -294,7 +294,7 @@
           </ac:spMkLst>
         </pc:spChg>
         <pc:spChg chg="add mod">
-          <ac:chgData name="Andrew Payne" userId="812687a615ee08e3" providerId="LiveId" clId="{7D684538-75D0-44C7-BD7E-4EB38FEE641B}" dt="2019-04-18T23:34:39.508" v="1236" actId="14100"/>
+          <ac:chgData name="Andrew Payne" userId="812687a615ee08e3" providerId="LiveId" clId="{7D684538-75D0-44C7-BD7E-4EB38FEE641B}" dt="2019-04-19T15:42:23.379" v="7271" actId="1038"/>
           <ac:spMkLst>
             <pc:docMk/>
             <pc:sldMk cId="2573355366" sldId="260"/>
@@ -302,7 +302,7 @@
           </ac:spMkLst>
         </pc:spChg>
         <pc:spChg chg="add mod">
-          <ac:chgData name="Andrew Payne" userId="812687a615ee08e3" providerId="LiveId" clId="{7D684538-75D0-44C7-BD7E-4EB38FEE641B}" dt="2019-04-19T13:02:08.758" v="6474" actId="1035"/>
+          <ac:chgData name="Andrew Payne" userId="812687a615ee08e3" providerId="LiveId" clId="{7D684538-75D0-44C7-BD7E-4EB38FEE641B}" dt="2019-04-19T15:42:19.237" v="7259" actId="1035"/>
           <ac:spMkLst>
             <pc:docMk/>
             <pc:sldMk cId="2573355366" sldId="260"/>
@@ -310,7 +310,15 @@
           </ac:spMkLst>
         </pc:spChg>
         <pc:spChg chg="add mod">
-          <ac:chgData name="Andrew Payne" userId="812687a615ee08e3" providerId="LiveId" clId="{7D684538-75D0-44C7-BD7E-4EB38FEE641B}" dt="2019-04-19T14:01:41.333" v="6955" actId="1076"/>
+          <ac:chgData name="Andrew Payne" userId="812687a615ee08e3" providerId="LiveId" clId="{7D684538-75D0-44C7-BD7E-4EB38FEE641B}" dt="2019-04-19T15:42:19.237" v="7259" actId="1035"/>
+          <ac:spMkLst>
+            <pc:docMk/>
+            <pc:sldMk cId="2573355366" sldId="260"/>
+            <ac:spMk id="21" creationId="{7BAEA07D-D2E4-4CB3-A634-46884F5E19FB}"/>
+          </ac:spMkLst>
+        </pc:spChg>
+        <pc:spChg chg="add mod">
+          <ac:chgData name="Andrew Payne" userId="812687a615ee08e3" providerId="LiveId" clId="{7D684538-75D0-44C7-BD7E-4EB38FEE641B}" dt="2019-04-19T15:42:19.237" v="7259" actId="1035"/>
           <ac:spMkLst>
             <pc:docMk/>
             <pc:sldMk cId="2573355366" sldId="260"/>
@@ -318,7 +326,7 @@
           </ac:spMkLst>
         </pc:spChg>
         <pc:spChg chg="add mod">
-          <ac:chgData name="Andrew Payne" userId="812687a615ee08e3" providerId="LiveId" clId="{7D684538-75D0-44C7-BD7E-4EB38FEE641B}" dt="2019-04-19T14:01:38.066" v="6954" actId="1076"/>
+          <ac:chgData name="Andrew Payne" userId="812687a615ee08e3" providerId="LiveId" clId="{7D684538-75D0-44C7-BD7E-4EB38FEE641B}" dt="2019-04-19T15:42:19.237" v="7259" actId="1035"/>
           <ac:spMkLst>
             <pc:docMk/>
             <pc:sldMk cId="2573355366" sldId="260"/>
@@ -334,7 +342,7 @@
           </ac:spMkLst>
         </pc:spChg>
         <pc:spChg chg="add mod">
-          <ac:chgData name="Andrew Payne" userId="812687a615ee08e3" providerId="LiveId" clId="{7D684538-75D0-44C7-BD7E-4EB38FEE641B}" dt="2019-04-19T13:02:24.149" v="6502" actId="1035"/>
+          <ac:chgData name="Andrew Payne" userId="812687a615ee08e3" providerId="LiveId" clId="{7D684538-75D0-44C7-BD7E-4EB38FEE641B}" dt="2019-04-19T15:42:19.237" v="7259" actId="1035"/>
           <ac:spMkLst>
             <pc:docMk/>
             <pc:sldMk cId="2573355366" sldId="260"/>
@@ -342,7 +350,15 @@
           </ac:spMkLst>
         </pc:spChg>
         <pc:cxnChg chg="add mod">
-          <ac:chgData name="Andrew Payne" userId="812687a615ee08e3" providerId="LiveId" clId="{7D684538-75D0-44C7-BD7E-4EB38FEE641B}" dt="2019-04-19T14:01:41.333" v="6955" actId="1076"/>
+          <ac:chgData name="Andrew Payne" userId="812687a615ee08e3" providerId="LiveId" clId="{7D684538-75D0-44C7-BD7E-4EB38FEE641B}" dt="2019-04-19T15:42:19.237" v="7259" actId="1035"/>
+          <ac:cxnSpMkLst>
+            <pc:docMk/>
+            <pc:sldMk cId="2573355366" sldId="260"/>
+            <ac:cxnSpMk id="4" creationId="{844636AF-60BD-484B-9187-C857CF4C92A4}"/>
+          </ac:cxnSpMkLst>
+        </pc:cxnChg>
+        <pc:cxnChg chg="add del mod">
+          <ac:chgData name="Andrew Payne" userId="812687a615ee08e3" providerId="LiveId" clId="{7D684538-75D0-44C7-BD7E-4EB38FEE641B}" dt="2019-04-19T14:35:32.575" v="7095" actId="478"/>
           <ac:cxnSpMkLst>
             <pc:docMk/>
             <pc:sldMk cId="2573355366" sldId="260"/>
@@ -350,7 +366,31 @@
           </ac:cxnSpMkLst>
         </pc:cxnChg>
         <pc:cxnChg chg="add mod">
-          <ac:chgData name="Andrew Payne" userId="812687a615ee08e3" providerId="LiveId" clId="{7D684538-75D0-44C7-BD7E-4EB38FEE641B}" dt="2019-04-19T14:01:47.407" v="6956" actId="1076"/>
+          <ac:chgData name="Andrew Payne" userId="812687a615ee08e3" providerId="LiveId" clId="{7D684538-75D0-44C7-BD7E-4EB38FEE641B}" dt="2019-04-19T15:42:33.055" v="7273" actId="13822"/>
+          <ac:cxnSpMkLst>
+            <pc:docMk/>
+            <pc:sldMk cId="2573355366" sldId="260"/>
+            <ac:cxnSpMk id="6" creationId="{3428F2DA-6976-4C78-9431-F114FE18D586}"/>
+          </ac:cxnSpMkLst>
+        </pc:cxnChg>
+        <pc:cxnChg chg="add mod">
+          <ac:chgData name="Andrew Payne" userId="812687a615ee08e3" providerId="LiveId" clId="{7D684538-75D0-44C7-BD7E-4EB38FEE641B}" dt="2019-04-19T15:42:19.237" v="7259" actId="1035"/>
+          <ac:cxnSpMkLst>
+            <pc:docMk/>
+            <pc:sldMk cId="2573355366" sldId="260"/>
+            <ac:cxnSpMk id="9" creationId="{3F9B1979-E3E9-4783-A1C7-1C541FD19B9C}"/>
+          </ac:cxnSpMkLst>
+        </pc:cxnChg>
+        <pc:cxnChg chg="add mod">
+          <ac:chgData name="Andrew Payne" userId="812687a615ee08e3" providerId="LiveId" clId="{7D684538-75D0-44C7-BD7E-4EB38FEE641B}" dt="2019-04-19T15:42:19.237" v="7259" actId="1035"/>
+          <ac:cxnSpMkLst>
+            <pc:docMk/>
+            <pc:sldMk cId="2573355366" sldId="260"/>
+            <ac:cxnSpMk id="13" creationId="{37C7A1DF-F2B2-4F11-89B8-C0CECDFC1D5C}"/>
+          </ac:cxnSpMkLst>
+        </pc:cxnChg>
+        <pc:cxnChg chg="add mod">
+          <ac:chgData name="Andrew Payne" userId="812687a615ee08e3" providerId="LiveId" clId="{7D684538-75D0-44C7-BD7E-4EB38FEE641B}" dt="2019-04-19T15:42:19.237" v="7259" actId="1035"/>
           <ac:cxnSpMkLst>
             <pc:docMk/>
             <pc:sldMk cId="2573355366" sldId="260"/>
@@ -366,15 +406,15 @@
           </ac:cxnSpMkLst>
         </pc:cxnChg>
         <pc:cxnChg chg="add mod">
-          <ac:chgData name="Andrew Payne" userId="812687a615ee08e3" providerId="LiveId" clId="{7D684538-75D0-44C7-BD7E-4EB38FEE641B}" dt="2019-04-19T13:02:24.149" v="6502" actId="1035"/>
+          <ac:chgData name="Andrew Payne" userId="812687a615ee08e3" providerId="LiveId" clId="{7D684538-75D0-44C7-BD7E-4EB38FEE641B}" dt="2019-04-19T15:42:19.237" v="7259" actId="1035"/>
           <ac:cxnSpMkLst>
             <pc:docMk/>
             <pc:sldMk cId="2573355366" sldId="260"/>
             <ac:cxnSpMk id="16" creationId="{F134C204-553D-4032-960C-A005AF642104}"/>
           </ac:cxnSpMkLst>
         </pc:cxnChg>
-        <pc:cxnChg chg="add mod">
-          <ac:chgData name="Andrew Payne" userId="812687a615ee08e3" providerId="LiveId" clId="{7D684538-75D0-44C7-BD7E-4EB38FEE641B}" dt="2019-04-19T13:02:00.301" v="6464" actId="1035"/>
+        <pc:cxnChg chg="add del mod">
+          <ac:chgData name="Andrew Payne" userId="812687a615ee08e3" providerId="LiveId" clId="{7D684538-75D0-44C7-BD7E-4EB38FEE641B}" dt="2019-04-19T15:42:16.483" v="7240" actId="478"/>
           <ac:cxnSpMkLst>
             <pc:docMk/>
             <pc:sldMk cId="2573355366" sldId="260"/>
@@ -382,7 +422,7 @@
           </ac:cxnSpMkLst>
         </pc:cxnChg>
         <pc:cxnChg chg="add mod">
-          <ac:chgData name="Andrew Payne" userId="812687a615ee08e3" providerId="LiveId" clId="{7D684538-75D0-44C7-BD7E-4EB38FEE641B}" dt="2019-04-19T13:02:08.758" v="6474" actId="1035"/>
+          <ac:chgData name="Andrew Payne" userId="812687a615ee08e3" providerId="LiveId" clId="{7D684538-75D0-44C7-BD7E-4EB38FEE641B}" dt="2019-04-19T15:42:19.237" v="7259" actId="1035"/>
           <ac:cxnSpMkLst>
             <pc:docMk/>
             <pc:sldMk cId="2573355366" sldId="260"/>
@@ -390,7 +430,7 @@
           </ac:cxnSpMkLst>
         </pc:cxnChg>
         <pc:cxnChg chg="add mod">
-          <ac:chgData name="Andrew Payne" userId="812687a615ee08e3" providerId="LiveId" clId="{7D684538-75D0-44C7-BD7E-4EB38FEE641B}" dt="2019-04-19T14:01:38.066" v="6954" actId="1076"/>
+          <ac:chgData name="Andrew Payne" userId="812687a615ee08e3" providerId="LiveId" clId="{7D684538-75D0-44C7-BD7E-4EB38FEE641B}" dt="2019-04-19T15:42:19.237" v="7259" actId="1035"/>
           <ac:cxnSpMkLst>
             <pc:docMk/>
             <pc:sldMk cId="2573355366" sldId="260"/>
@@ -477,13 +517,13 @@
         </pc:spChg>
       </pc:sldChg>
       <pc:sldChg chg="modSp add">
-        <pc:chgData name="Andrew Payne" userId="812687a615ee08e3" providerId="LiveId" clId="{7D684538-75D0-44C7-BD7E-4EB38FEE641B}" dt="2019-04-19T14:01:21.970" v="6953" actId="20577"/>
+        <pc:chgData name="Andrew Payne" userId="812687a615ee08e3" providerId="LiveId" clId="{7D684538-75D0-44C7-BD7E-4EB38FEE641B}" dt="2019-04-19T14:38:27.552" v="7205" actId="20577"/>
         <pc:sldMkLst>
           <pc:docMk/>
           <pc:sldMk cId="2793775896" sldId="263"/>
         </pc:sldMkLst>
         <pc:spChg chg="mod">
-          <ac:chgData name="Andrew Payne" userId="812687a615ee08e3" providerId="LiveId" clId="{7D684538-75D0-44C7-BD7E-4EB38FEE641B}" dt="2019-04-19T14:01:21.970" v="6953" actId="20577"/>
+          <ac:chgData name="Andrew Payne" userId="812687a615ee08e3" providerId="LiveId" clId="{7D684538-75D0-44C7-BD7E-4EB38FEE641B}" dt="2019-04-19T14:38:27.552" v="7205" actId="20577"/>
           <ac:spMkLst>
             <pc:docMk/>
             <pc:sldMk cId="2793775896" sldId="263"/>
@@ -7087,14 +7127,7 @@
             <a:pPr lvl="1"/>
             <a:r>
               <a:rPr lang="en-US" dirty="0"/>
-              <a:t>Start from login prompt, login as admin, etc.</a:t>
-            </a:r>
-          </a:p>
-          <a:p>
-            <a:pPr lvl="1"/>
-            <a:r>
-              <a:rPr lang="en-US" dirty="0"/>
-              <a:t>Baseline options would be myriad, e.g. login as an admin account/stay on login screen, etc.</a:t>
+              <a:t>Choices could be Start from login prompt, or Login as admin, and others.</a:t>
             </a:r>
           </a:p>
           <a:p>
@@ -7109,6 +7142,17 @@
               <a:rPr lang="en-US" dirty="0"/>
               <a:t>Front-end web interface will filter only to those CVEs that are available to be verifiable.</a:t>
             </a:r>
+          </a:p>
+          <a:p>
+            <a:r>
+              <a:rPr lang="en-US" dirty="0"/>
+              <a:t>Payment solution: </a:t>
+            </a:r>
+            <a:r>
+              <a:rPr lang="en-US" dirty="0" err="1"/>
+              <a:t>Paypal</a:t>
+            </a:r>
+            <a:endParaRPr lang="en-US" dirty="0"/>
           </a:p>
         </p:txBody>
       </p:sp>
@@ -7246,6 +7290,12 @@
               <a:t>Deploys the Windows 7 image to the virtual machine.</a:t>
             </a:r>
           </a:p>
+          <a:p>
+            <a:r>
+              <a:rPr lang="en-US" dirty="0"/>
+              <a:t>Deploys the Exploit into the Windows 7 image.</a:t>
+            </a:r>
+          </a:p>
         </p:txBody>
       </p:sp>
       <p:sp>
@@ -7354,7 +7404,7 @@
         </p:nvSpPr>
         <p:spPr>
           <a:xfrm>
-            <a:off x="4571648" y="6004441"/>
+            <a:off x="2777358" y="5452353"/>
             <a:ext cx="2004969" cy="639621"/>
           </a:xfrm>
           <a:prstGeom prst="rect">
@@ -7403,7 +7453,7 @@
         </p:nvSpPr>
         <p:spPr>
           <a:xfrm>
-            <a:off x="4093127" y="2525093"/>
+            <a:off x="4093127" y="1973005"/>
             <a:ext cx="2962014" cy="794850"/>
           </a:xfrm>
           <a:prstGeom prst="rect">
@@ -7452,7 +7502,7 @@
         </p:nvCxnSpPr>
         <p:spPr>
           <a:xfrm>
-            <a:off x="1199625" y="4460847"/>
+            <a:off x="1199625" y="3908759"/>
             <a:ext cx="8851209" cy="0"/>
           </a:xfrm>
           <a:prstGeom prst="line">
@@ -7489,7 +7539,7 @@
         </p:nvSpPr>
         <p:spPr>
           <a:xfrm>
-            <a:off x="4655539" y="1545414"/>
+            <a:off x="1857424" y="1952143"/>
             <a:ext cx="1837189" cy="847053"/>
           </a:xfrm>
           <a:prstGeom prst="rect">
@@ -7524,49 +7574,6 @@
           </a:p>
         </p:txBody>
       </p:sp>
-      <p:cxnSp>
-        <p:nvCxnSpPr>
-          <p:cNvPr id="19" name="Straight Arrow Connector 18">
-            <a:extLst>
-              <a:ext uri="{FF2B5EF4-FFF2-40B4-BE49-F238E27FC236}">
-                <a16:creationId xmlns:a16="http://schemas.microsoft.com/office/drawing/2014/main" id="{186298AB-F729-4AB4-85AB-0B5C09BF4E61}"/>
-              </a:ext>
-            </a:extLst>
-          </p:cNvPr>
-          <p:cNvCxnSpPr>
-            <a:cxnSpLocks/>
-            <a:stCxn id="17" idx="2"/>
-            <a:endCxn id="11" idx="0"/>
-          </p:cNvCxnSpPr>
-          <p:nvPr/>
-        </p:nvCxnSpPr>
-        <p:spPr>
-          <a:xfrm>
-            <a:off x="5574134" y="2392467"/>
-            <a:ext cx="0" cy="132626"/>
-          </a:xfrm>
-          <a:prstGeom prst="straightConnector1">
-            <a:avLst/>
-          </a:prstGeom>
-          <a:ln>
-            <a:tailEnd type="triangle"/>
-          </a:ln>
-        </p:spPr>
-        <p:style>
-          <a:lnRef idx="3">
-            <a:schemeClr val="accent2"/>
-          </a:lnRef>
-          <a:fillRef idx="0">
-            <a:schemeClr val="accent2"/>
-          </a:fillRef>
-          <a:effectRef idx="2">
-            <a:schemeClr val="accent2"/>
-          </a:effectRef>
-          <a:fontRef idx="minor">
-            <a:schemeClr val="tx1"/>
-          </a:fontRef>
-        </p:style>
-      </p:cxnSp>
       <p:sp>
         <p:nvSpPr>
           <p:cNvPr id="20" name="TextBox 19">
@@ -7581,7 +7588,7 @@
         </p:nvSpPr>
         <p:spPr>
           <a:xfrm>
-            <a:off x="7771002" y="3033099"/>
+            <a:off x="7771002" y="2481011"/>
             <a:ext cx="2456122" cy="369332"/>
           </a:xfrm>
           <a:prstGeom prst="rect">
@@ -7616,7 +7623,7 @@
         </p:nvSpPr>
         <p:spPr>
           <a:xfrm>
-            <a:off x="4491954" y="3588384"/>
+            <a:off x="4491954" y="3036296"/>
             <a:ext cx="2164358" cy="794850"/>
           </a:xfrm>
           <a:prstGeom prst="rect">
@@ -7646,7 +7653,7 @@
             <a:pPr algn="ctr"/>
             <a:r>
               <a:rPr lang="en-US" dirty="0"/>
-              <a:t>Exploit Analyzer Engine</a:t>
+              <a:t>CVE Analyzer Engine</a:t>
             </a:r>
           </a:p>
         </p:txBody>
@@ -7665,7 +7672,7 @@
         </p:nvCxnSpPr>
         <p:spPr>
           <a:xfrm>
-            <a:off x="1217801" y="3438787"/>
+            <a:off x="1217801" y="2886699"/>
             <a:ext cx="8851209" cy="0"/>
           </a:xfrm>
           <a:prstGeom prst="line">
@@ -7706,7 +7713,7 @@
         </p:nvCxnSpPr>
         <p:spPr>
           <a:xfrm flipH="1">
-            <a:off x="5574133" y="3319943"/>
+            <a:off x="5574133" y="2767855"/>
             <a:ext cx="1" cy="268441"/>
           </a:xfrm>
           <a:prstGeom prst="straightConnector1">
@@ -7745,7 +7752,7 @@
         </p:nvSpPr>
         <p:spPr>
           <a:xfrm>
-            <a:off x="6785295" y="3564262"/>
+            <a:off x="6785295" y="3012174"/>
             <a:ext cx="3906839" cy="1200329"/>
           </a:xfrm>
           <a:prstGeom prst="rect">
@@ -7811,7 +7818,7 @@
         </p:nvSpPr>
         <p:spPr>
           <a:xfrm>
-            <a:off x="6599066" y="4483458"/>
+            <a:off x="6599066" y="3931370"/>
             <a:ext cx="3672800" cy="369332"/>
           </a:xfrm>
           <a:prstGeom prst="rect">
@@ -7846,7 +7853,7 @@
         </p:nvSpPr>
         <p:spPr>
           <a:xfrm>
-            <a:off x="4571648" y="4612912"/>
+            <a:off x="2777358" y="4155712"/>
             <a:ext cx="2004969" cy="1143822"/>
           </a:xfrm>
           <a:prstGeom prst="rect">
@@ -7888,24 +7895,24 @@
       </p:sp>
       <p:cxnSp>
         <p:nvCxnSpPr>
-          <p:cNvPr id="5" name="Straight Arrow Connector 4">
+          <p:cNvPr id="14" name="Straight Arrow Connector 13">
             <a:extLst>
               <a:ext uri="{FF2B5EF4-FFF2-40B4-BE49-F238E27FC236}">
-                <a16:creationId xmlns:a16="http://schemas.microsoft.com/office/drawing/2014/main" id="{7B18D69B-B53D-4CC2-B657-8E3C8A33400D}"/>
+                <a16:creationId xmlns:a16="http://schemas.microsoft.com/office/drawing/2014/main" id="{8EBAFF14-C8B2-401F-AC24-25CF6339C467}"/>
               </a:ext>
             </a:extLst>
           </p:cNvPr>
           <p:cNvCxnSpPr>
             <a:cxnSpLocks/>
-            <a:stCxn id="23" idx="2"/>
-            <a:endCxn id="22" idx="0"/>
+            <a:stCxn id="22" idx="2"/>
+            <a:endCxn id="7" idx="0"/>
           </p:cNvCxnSpPr>
           <p:nvPr/>
         </p:nvCxnSpPr>
         <p:spPr>
           <a:xfrm>
-            <a:off x="5574133" y="4383234"/>
-            <a:ext cx="0" cy="229678"/>
+            <a:off x="3779843" y="5299534"/>
+            <a:ext cx="0" cy="152819"/>
           </a:xfrm>
           <a:prstGeom prst="straightConnector1">
             <a:avLst/>
@@ -7929,28 +7936,150 @@
           </a:fontRef>
         </p:style>
       </p:cxnSp>
+      <p:sp>
+        <p:nvSpPr>
+          <p:cNvPr id="15" name="Slide Number Placeholder 14">
+            <a:extLst>
+              <a:ext uri="{FF2B5EF4-FFF2-40B4-BE49-F238E27FC236}">
+                <a16:creationId xmlns:a16="http://schemas.microsoft.com/office/drawing/2014/main" id="{6572DFB6-6854-49B6-84C6-4C8E0849D08C}"/>
+              </a:ext>
+            </a:extLst>
+          </p:cNvPr>
+          <p:cNvSpPr>
+            <a:spLocks noGrp="1"/>
+          </p:cNvSpPr>
+          <p:nvPr>
+            <p:ph type="sldNum" sz="quarter" idx="12"/>
+          </p:nvPr>
+        </p:nvSpPr>
+        <p:spPr/>
+        <p:txBody>
+          <a:bodyPr/>
+          <a:lstStyle/>
+          <a:p>
+            <a:fld id="{D57F1E4F-1CFF-5643-939E-02111984F565}" type="slidenum">
+              <a:rPr lang="en-US" smtClean="0"/>
+              <a:t>5</a:t>
+            </a:fld>
+            <a:endParaRPr lang="en-US" dirty="0"/>
+          </a:p>
+        </p:txBody>
+      </p:sp>
       <p:cxnSp>
         <p:nvCxnSpPr>
-          <p:cNvPr id="14" name="Straight Arrow Connector 13">
+          <p:cNvPr id="4" name="Connector: Elbow 3">
             <a:extLst>
               <a:ext uri="{FF2B5EF4-FFF2-40B4-BE49-F238E27FC236}">
-                <a16:creationId xmlns:a16="http://schemas.microsoft.com/office/drawing/2014/main" id="{8EBAFF14-C8B2-401F-AC24-25CF6339C467}"/>
+                <a16:creationId xmlns:a16="http://schemas.microsoft.com/office/drawing/2014/main" id="{844636AF-60BD-484B-9187-C857CF4C92A4}"/>
               </a:ext>
             </a:extLst>
           </p:cNvPr>
           <p:cNvCxnSpPr>
             <a:cxnSpLocks/>
-            <a:stCxn id="22" idx="2"/>
-            <a:endCxn id="7" idx="0"/>
+            <a:stCxn id="23" idx="2"/>
+            <a:endCxn id="22" idx="0"/>
           </p:cNvCxnSpPr>
           <p:nvPr/>
         </p:nvCxnSpPr>
         <p:spPr>
+          <a:xfrm rot="5400000">
+            <a:off x="4514705" y="3096284"/>
+            <a:ext cx="324566" cy="1794290"/>
+          </a:xfrm>
+          <a:prstGeom prst="bentConnector3">
+            <a:avLst>
+              <a:gd name="adj1" fmla="val 50000"/>
+            </a:avLst>
+          </a:prstGeom>
+          <a:ln>
+            <a:tailEnd type="triangle"/>
+          </a:ln>
+        </p:spPr>
+        <p:style>
+          <a:lnRef idx="3">
+            <a:schemeClr val="dk1"/>
+          </a:lnRef>
+          <a:fillRef idx="0">
+            <a:schemeClr val="dk1"/>
+          </a:fillRef>
+          <a:effectRef idx="2">
+            <a:schemeClr val="dk1"/>
+          </a:effectRef>
+          <a:fontRef idx="minor">
+            <a:schemeClr val="tx1"/>
+          </a:fontRef>
+        </p:style>
+      </p:cxnSp>
+      <p:sp>
+        <p:nvSpPr>
+          <p:cNvPr id="21" name="Rectangle 20">
+            <a:extLst>
+              <a:ext uri="{FF2B5EF4-FFF2-40B4-BE49-F238E27FC236}">
+                <a16:creationId xmlns:a16="http://schemas.microsoft.com/office/drawing/2014/main" id="{7BAEA07D-D2E4-4CB3-A634-46884F5E19FB}"/>
+              </a:ext>
+            </a:extLst>
+          </p:cNvPr>
+          <p:cNvSpPr/>
+          <p:nvPr/>
+        </p:nvSpPr>
+        <p:spPr>
           <a:xfrm>
-            <a:off x="5574133" y="5756734"/>
-            <a:ext cx="0" cy="247707"/>
+            <a:off x="5784812" y="4806998"/>
+            <a:ext cx="2376954" cy="1046196"/>
           </a:xfrm>
-          <a:prstGeom prst="straightConnector1">
+          <a:prstGeom prst="rect">
+            <a:avLst/>
+          </a:prstGeom>
+        </p:spPr>
+        <p:style>
+          <a:lnRef idx="2">
+            <a:schemeClr val="dk1">
+              <a:shade val="50000"/>
+            </a:schemeClr>
+          </a:lnRef>
+          <a:fillRef idx="1">
+            <a:schemeClr val="dk1"/>
+          </a:fillRef>
+          <a:effectRef idx="0">
+            <a:schemeClr val="dk1"/>
+          </a:effectRef>
+          <a:fontRef idx="minor">
+            <a:schemeClr val="lt1"/>
+          </a:fontRef>
+        </p:style>
+        <p:txBody>
+          <a:bodyPr rtlCol="0" anchor="ctr"/>
+          <a:lstStyle/>
+          <a:p>
+            <a:pPr algn="ctr"/>
+            <a:r>
+              <a:rPr lang="en-US" dirty="0"/>
+              <a:t>Execute Commands / Load Exploit Code</a:t>
+            </a:r>
+          </a:p>
+        </p:txBody>
+      </p:sp>
+      <p:cxnSp>
+        <p:nvCxnSpPr>
+          <p:cNvPr id="9" name="Connector: Elbow 8">
+            <a:extLst>
+              <a:ext uri="{FF2B5EF4-FFF2-40B4-BE49-F238E27FC236}">
+                <a16:creationId xmlns:a16="http://schemas.microsoft.com/office/drawing/2014/main" id="{3F9B1979-E3E9-4783-A1C7-1C541FD19B9C}"/>
+              </a:ext>
+            </a:extLst>
+          </p:cNvPr>
+          <p:cNvCxnSpPr>
+            <a:stCxn id="23" idx="2"/>
+            <a:endCxn id="21" idx="0"/>
+          </p:cNvCxnSpPr>
+          <p:nvPr/>
+        </p:nvCxnSpPr>
+        <p:spPr>
+          <a:xfrm rot="16200000" flipH="1">
+            <a:off x="5785785" y="3619494"/>
+            <a:ext cx="975852" cy="1399156"/>
+          </a:xfrm>
+          <a:prstGeom prst="bentConnector3">
             <a:avLst/>
           </a:prstGeom>
           <a:ln>
@@ -7972,35 +8101,90 @@
           </a:fontRef>
         </p:style>
       </p:cxnSp>
-      <p:sp>
-        <p:nvSpPr>
-          <p:cNvPr id="15" name="Slide Number Placeholder 14">
+      <p:cxnSp>
+        <p:nvCxnSpPr>
+          <p:cNvPr id="13" name="Connector: Elbow 12">
             <a:extLst>
               <a:ext uri="{FF2B5EF4-FFF2-40B4-BE49-F238E27FC236}">
-                <a16:creationId xmlns:a16="http://schemas.microsoft.com/office/drawing/2014/main" id="{6572DFB6-6854-49B6-84C6-4C8E0849D08C}"/>
+                <a16:creationId xmlns:a16="http://schemas.microsoft.com/office/drawing/2014/main" id="{37C7A1DF-F2B2-4F11-89B8-C0CECDFC1D5C}"/>
               </a:ext>
             </a:extLst>
           </p:cNvPr>
-          <p:cNvSpPr>
-            <a:spLocks noGrp="1"/>
-          </p:cNvSpPr>
-          <p:nvPr>
-            <p:ph type="sldNum" sz="quarter" idx="12"/>
-          </p:nvPr>
-        </p:nvSpPr>
-        <p:spPr/>
-        <p:txBody>
-          <a:bodyPr/>
-          <a:lstStyle/>
-          <a:p>
-            <a:fld id="{D57F1E4F-1CFF-5643-939E-02111984F565}" type="slidenum">
-              <a:rPr lang="en-US" smtClean="0"/>
-              <a:t>5</a:t>
-            </a:fld>
-            <a:endParaRPr lang="en-US" dirty="0"/>
-          </a:p>
-        </p:txBody>
-      </p:sp>
+          <p:cNvCxnSpPr>
+            <a:stCxn id="21" idx="1"/>
+            <a:endCxn id="7" idx="3"/>
+          </p:cNvCxnSpPr>
+          <p:nvPr/>
+        </p:nvCxnSpPr>
+        <p:spPr>
+          <a:xfrm rot="10800000" flipV="1">
+            <a:off x="4782328" y="5330096"/>
+            <a:ext cx="1002485" cy="442068"/>
+          </a:xfrm>
+          <a:prstGeom prst="bentConnector3">
+            <a:avLst/>
+          </a:prstGeom>
+          <a:ln>
+            <a:tailEnd type="triangle"/>
+          </a:ln>
+        </p:spPr>
+        <p:style>
+          <a:lnRef idx="3">
+            <a:schemeClr val="dk1"/>
+          </a:lnRef>
+          <a:fillRef idx="0">
+            <a:schemeClr val="dk1"/>
+          </a:fillRef>
+          <a:effectRef idx="2">
+            <a:schemeClr val="dk1"/>
+          </a:effectRef>
+          <a:fontRef idx="minor">
+            <a:schemeClr val="tx1"/>
+          </a:fontRef>
+        </p:style>
+      </p:cxnSp>
+      <p:cxnSp>
+        <p:nvCxnSpPr>
+          <p:cNvPr id="6" name="Straight Arrow Connector 5">
+            <a:extLst>
+              <a:ext uri="{FF2B5EF4-FFF2-40B4-BE49-F238E27FC236}">
+                <a16:creationId xmlns:a16="http://schemas.microsoft.com/office/drawing/2014/main" id="{3428F2DA-6976-4C78-9431-F114FE18D586}"/>
+              </a:ext>
+            </a:extLst>
+          </p:cNvPr>
+          <p:cNvCxnSpPr>
+            <a:stCxn id="17" idx="3"/>
+            <a:endCxn id="11" idx="1"/>
+          </p:cNvCxnSpPr>
+          <p:nvPr/>
+        </p:nvCxnSpPr>
+        <p:spPr>
+          <a:xfrm flipV="1">
+            <a:off x="3694613" y="2370430"/>
+            <a:ext cx="398514" cy="5240"/>
+          </a:xfrm>
+          <a:prstGeom prst="straightConnector1">
+            <a:avLst/>
+          </a:prstGeom>
+          <a:ln>
+            <a:tailEnd type="triangle"/>
+          </a:ln>
+        </p:spPr>
+        <p:style>
+          <a:lnRef idx="3">
+            <a:schemeClr val="accent2"/>
+          </a:lnRef>
+          <a:fillRef idx="0">
+            <a:schemeClr val="accent2"/>
+          </a:fillRef>
+          <a:effectRef idx="2">
+            <a:schemeClr val="accent2"/>
+          </a:effectRef>
+          <a:fontRef idx="minor">
+            <a:schemeClr val="tx1"/>
+          </a:fontRef>
+        </p:style>
+      </p:cxnSp>
     </p:spTree>
     <p:extLst>
       <p:ext uri="{BB962C8B-B14F-4D97-AF65-F5344CB8AC3E}">
@@ -8225,7 +8409,7 @@
         <p:spPr/>
         <p:txBody>
           <a:bodyPr>
-            <a:normAutofit fontScale="92500" lnSpcReduction="10000"/>
+            <a:normAutofit fontScale="85000" lnSpcReduction="20000"/>
           </a:bodyPr>
           <a:lstStyle/>
           <a:p>
@@ -8283,7 +8467,14 @@
           <a:p>
             <a:r>
               <a:rPr lang="en-US" dirty="0"/>
-              <a:t>Judging craftiness of exploit.</a:t>
+              <a:t>Failure feedback (system logs/config settings)</a:t>
+            </a:r>
+          </a:p>
+          <a:p>
+            <a:pPr lvl="1"/>
+            <a:r>
+              <a:rPr lang="en-US" dirty="0"/>
+              <a:t>Customer support: hypothetically, a user could continuously attempt and fail to successfully make their exploit code work; They wouldn’t be seated locally at the system debugging their code as it runs against our VM.</a:t>
             </a:r>
           </a:p>
           <a:p>
